--- a/Later/String/Manipulating Characters in a String/String_22/Java String - IndexOf-ch-fromIndex.pptx
+++ b/Later/String/Manipulating Characters in a String/String_22/Java String - IndexOf-ch-fromIndex.pptx
@@ -3760,19 +3760,7 @@
             <a:pPr algn="ctr"/>
             <a:r>
               <a:rPr lang="en-US" sz="1200" dirty="0" smtClean="0"/>
-              <a:t>String – </a:t>
-            </a:r>
-            <a:r>
-              <a:rPr lang="en-US" sz="1200" dirty="0" smtClean="0"/>
-              <a:t>indexOf</a:t>
-            </a:r>
-            <a:r>
-              <a:rPr lang="en-US" sz="1200" dirty="0" smtClean="0"/>
-              <a:t> </a:t>
-            </a:r>
-            <a:r>
-              <a:rPr lang="en-US" sz="1200" dirty="0" smtClean="0"/>
-              <a:t>method</a:t>
+              <a:t>String – indexOf method</a:t>
             </a:r>
             <a:endParaRPr lang="en-US" sz="1200" dirty="0"/>
           </a:p>
@@ -4427,6 +4415,53 @@
             <a:r>
               <a:rPr lang="en-US" sz="1200" dirty="0" smtClean="0"/>
               <a:t>Ending Index</a:t>
+            </a:r>
+            <a:endParaRPr lang="en-US" sz="1200" dirty="0"/>
+          </a:p>
+        </p:txBody>
+      </p:sp>
+      <p:sp>
+        <p:nvSpPr>
+          <p:cNvPr id="28" name="TextBox 27"/>
+          <p:cNvSpPr txBox="1"/>
+          <p:nvPr/>
+        </p:nvSpPr>
+        <p:spPr>
+          <a:xfrm>
+            <a:off x="3988870" y="4104499"/>
+            <a:ext cx="3397853" cy="276999"/>
+          </a:xfrm>
+          <a:prstGeom prst="rect">
+            <a:avLst/>
+          </a:prstGeom>
+        </p:spPr>
+        <p:style>
+          <a:lnRef idx="1">
+            <a:schemeClr val="accent4"/>
+          </a:lnRef>
+          <a:fillRef idx="3">
+            <a:schemeClr val="accent4"/>
+          </a:fillRef>
+          <a:effectRef idx="2">
+            <a:schemeClr val="accent4"/>
+          </a:effectRef>
+          <a:fontRef idx="minor">
+            <a:schemeClr val="lt1"/>
+          </a:fontRef>
+        </p:style>
+        <p:txBody>
+          <a:bodyPr wrap="none" rtlCol="0">
+            <a:spAutoFit/>
+          </a:bodyPr>
+          <a:lstStyle/>
+          <a:p>
+            <a:r>
+              <a:rPr lang="en-US" sz="1200" dirty="0"/>
+              <a:t>lastIndexOf("e", 4</a:t>
+            </a:r>
+            <a:r>
+              <a:rPr lang="en-US" sz="1200" dirty="0" smtClean="0"/>
+              <a:t>) = 1                                                    </a:t>
             </a:r>
             <a:endParaRPr lang="en-US" sz="1200" dirty="0"/>
           </a:p>
